--- a/SHOPB.pptx
+++ b/SHOPB.pptx
@@ -9,12 +9,14 @@
     <p:sldId id="257" r:id="rId6"/>
     <p:sldId id="261" r:id="rId7"/>
     <p:sldId id="258" r:id="rId8"/>
-    <p:sldId id="259" r:id="rId9"/>
-    <p:sldId id="263" r:id="rId10"/>
-    <p:sldId id="264" r:id="rId11"/>
-    <p:sldId id="260" r:id="rId12"/>
-    <p:sldId id="262" r:id="rId13"/>
-    <p:sldId id="265" r:id="rId14"/>
+    <p:sldId id="263" r:id="rId9"/>
+    <p:sldId id="264" r:id="rId10"/>
+    <p:sldId id="260" r:id="rId11"/>
+    <p:sldId id="262" r:id="rId12"/>
+    <p:sldId id="265" r:id="rId13"/>
+    <p:sldId id="267" r:id="rId14"/>
+    <p:sldId id="268" r:id="rId15"/>
+    <p:sldId id="266" r:id="rId16"/>
   </p:sldIdLst>
   <p:sldSz cx="12192000" cy="6858000"/>
   <p:notesSz cx="6858000" cy="9144000"/>
@@ -113,6 +115,11 @@
       </a:defRPr>
     </a:lvl9pPr>
   </p:defaultTextStyle>
+  <p:extLst>
+    <p:ext uri="{EFAFB233-063F-42B5-8137-9DF3F51BA10A}">
+      <p15:sldGuideLst xmlns:p15="http://schemas.microsoft.com/office/powerpoint/2012/main"/>
+    </p:ext>
+  </p:extLst>
 </p:presentation>
 </file>
 
@@ -263,7 +270,7 @@
           <a:p>
             <a:fld id="{0BF6AE12-A648-4F9A-BCB6-5CC8C7A970FB}" type="datetimeFigureOut">
               <a:rPr lang="pt-BR" smtClean="0"/>
-              <a:t>20/11/2022</a:t>
+              <a:t>23/11/2022</a:t>
             </a:fld>
             <a:endParaRPr lang="pt-BR"/>
           </a:p>
@@ -461,7 +468,7 @@
           <a:p>
             <a:fld id="{0BF6AE12-A648-4F9A-BCB6-5CC8C7A970FB}" type="datetimeFigureOut">
               <a:rPr lang="pt-BR" smtClean="0"/>
-              <a:t>20/11/2022</a:t>
+              <a:t>23/11/2022</a:t>
             </a:fld>
             <a:endParaRPr lang="pt-BR"/>
           </a:p>
@@ -669,7 +676,7 @@
           <a:p>
             <a:fld id="{0BF6AE12-A648-4F9A-BCB6-5CC8C7A970FB}" type="datetimeFigureOut">
               <a:rPr lang="pt-BR" smtClean="0"/>
-              <a:t>20/11/2022</a:t>
+              <a:t>23/11/2022</a:t>
             </a:fld>
             <a:endParaRPr lang="pt-BR"/>
           </a:p>
@@ -867,7 +874,7 @@
           <a:p>
             <a:fld id="{0BF6AE12-A648-4F9A-BCB6-5CC8C7A970FB}" type="datetimeFigureOut">
               <a:rPr lang="pt-BR" smtClean="0"/>
-              <a:t>20/11/2022</a:t>
+              <a:t>23/11/2022</a:t>
             </a:fld>
             <a:endParaRPr lang="pt-BR"/>
           </a:p>
@@ -1142,7 +1149,7 @@
           <a:p>
             <a:fld id="{0BF6AE12-A648-4F9A-BCB6-5CC8C7A970FB}" type="datetimeFigureOut">
               <a:rPr lang="pt-BR" smtClean="0"/>
-              <a:t>20/11/2022</a:t>
+              <a:t>23/11/2022</a:t>
             </a:fld>
             <a:endParaRPr lang="pt-BR"/>
           </a:p>
@@ -1407,7 +1414,7 @@
           <a:p>
             <a:fld id="{0BF6AE12-A648-4F9A-BCB6-5CC8C7A970FB}" type="datetimeFigureOut">
               <a:rPr lang="pt-BR" smtClean="0"/>
-              <a:t>20/11/2022</a:t>
+              <a:t>23/11/2022</a:t>
             </a:fld>
             <a:endParaRPr lang="pt-BR"/>
           </a:p>
@@ -1819,7 +1826,7 @@
           <a:p>
             <a:fld id="{0BF6AE12-A648-4F9A-BCB6-5CC8C7A970FB}" type="datetimeFigureOut">
               <a:rPr lang="pt-BR" smtClean="0"/>
-              <a:t>20/11/2022</a:t>
+              <a:t>23/11/2022</a:t>
             </a:fld>
             <a:endParaRPr lang="pt-BR"/>
           </a:p>
@@ -1960,7 +1967,7 @@
           <a:p>
             <a:fld id="{0BF6AE12-A648-4F9A-BCB6-5CC8C7A970FB}" type="datetimeFigureOut">
               <a:rPr lang="pt-BR" smtClean="0"/>
-              <a:t>20/11/2022</a:t>
+              <a:t>23/11/2022</a:t>
             </a:fld>
             <a:endParaRPr lang="pt-BR"/>
           </a:p>
@@ -2073,7 +2080,7 @@
           <a:p>
             <a:fld id="{0BF6AE12-A648-4F9A-BCB6-5CC8C7A970FB}" type="datetimeFigureOut">
               <a:rPr lang="pt-BR" smtClean="0"/>
-              <a:t>20/11/2022</a:t>
+              <a:t>23/11/2022</a:t>
             </a:fld>
             <a:endParaRPr lang="pt-BR"/>
           </a:p>
@@ -2384,7 +2391,7 @@
           <a:p>
             <a:fld id="{0BF6AE12-A648-4F9A-BCB6-5CC8C7A970FB}" type="datetimeFigureOut">
               <a:rPr lang="pt-BR" smtClean="0"/>
-              <a:t>20/11/2022</a:t>
+              <a:t>23/11/2022</a:t>
             </a:fld>
             <a:endParaRPr lang="pt-BR"/>
           </a:p>
@@ -2672,7 +2679,7 @@
           <a:p>
             <a:fld id="{0BF6AE12-A648-4F9A-BCB6-5CC8C7A970FB}" type="datetimeFigureOut">
               <a:rPr lang="pt-BR" smtClean="0"/>
-              <a:t>20/11/2022</a:t>
+              <a:t>23/11/2022</a:t>
             </a:fld>
             <a:endParaRPr lang="pt-BR"/>
           </a:p>
@@ -2913,7 +2920,7 @@
           <a:p>
             <a:fld id="{0BF6AE12-A648-4F9A-BCB6-5CC8C7A970FB}" type="datetimeFigureOut">
               <a:rPr lang="pt-BR" smtClean="0"/>
-              <a:t>20/11/2022</a:t>
+              <a:t>23/11/2022</a:t>
             </a:fld>
             <a:endParaRPr lang="pt-BR"/>
           </a:p>
@@ -3446,24 +3453,17 @@
             </a:br>
             <a:r>
               <a:rPr lang="pt-BR" sz="2000" dirty="0"/>
-              <a:t>Representação de Camadas</a:t>
-            </a:r>
-            <a:br>
-              <a:rPr lang="pt-BR" sz="2000" dirty="0"/>
-            </a:br>
-            <a:r>
-              <a:rPr lang="pt-BR" sz="2000" dirty="0"/>
-              <a:t>com Dependências de Tecnologias</a:t>
+              <a:t>Fluxo de Cadastro do Cliente</a:t>
             </a:r>
           </a:p>
         </p:txBody>
       </p:sp>
       <p:pic>
         <p:nvPicPr>
-          <p:cNvPr id="8" name="Imagem 7">
-            <a:extLst>
-              <a:ext uri="{FF2B5EF4-FFF2-40B4-BE49-F238E27FC236}">
-                <a16:creationId xmlns:a16="http://schemas.microsoft.com/office/drawing/2014/main" id="{1A95C1E7-0ED9-0AF5-EB2D-8A4DCA9288E1}"/>
+          <p:cNvPr id="3" name="Imagem 2" descr="Diagrama&#10;&#10;Descrição gerada automaticamente">
+            <a:extLst>
+              <a:ext uri="{FF2B5EF4-FFF2-40B4-BE49-F238E27FC236}">
+                <a16:creationId xmlns:a16="http://schemas.microsoft.com/office/drawing/2014/main" id="{E7446EBD-47DE-E7D5-7F88-EC6008F9C540}"/>
               </a:ext>
             </a:extLst>
           </p:cNvPr>
@@ -3480,8 +3480,8 @@
         </p:blipFill>
         <p:spPr>
           <a:xfrm>
-            <a:off x="5105921" y="341991"/>
-            <a:ext cx="6706536" cy="6516009"/>
+            <a:off x="512146" y="1436914"/>
+            <a:ext cx="11167707" cy="5421086"/>
           </a:xfrm>
           <a:prstGeom prst="rect">
             <a:avLst/>
@@ -3491,7 +3491,693 @@
     </p:spTree>
     <p:extLst>
       <p:ext uri="{BB962C8B-B14F-4D97-AF65-F5344CB8AC3E}">
-        <p14:creationId xmlns:p14="http://schemas.microsoft.com/office/powerpoint/2010/main" val="4124894196"/>
+        <p14:creationId xmlns:p14="http://schemas.microsoft.com/office/powerpoint/2010/main" val="604404289"/>
+      </p:ext>
+    </p:extLst>
+  </p:cSld>
+  <p:clrMapOvr>
+    <a:masterClrMapping/>
+  </p:clrMapOvr>
+</p:sld>
+</file>
+
+<file path=ppt/slides/slide11.xml><?xml version="1.0" encoding="utf-8"?>
+<p:sld xmlns:a="http://schemas.openxmlformats.org/drawingml/2006/main" xmlns:r="http://schemas.openxmlformats.org/officeDocument/2006/relationships" xmlns:p="http://schemas.openxmlformats.org/presentationml/2006/main">
+  <p:cSld>
+    <p:spTree>
+      <p:nvGrpSpPr>
+        <p:cNvPr id="1" name=""/>
+        <p:cNvGrpSpPr/>
+        <p:nvPr/>
+      </p:nvGrpSpPr>
+      <p:grpSpPr>
+        <a:xfrm>
+          <a:off x="0" y="0"/>
+          <a:ext cx="0" cy="0"/>
+          <a:chOff x="0" y="0"/>
+          <a:chExt cx="0" cy="0"/>
+        </a:xfrm>
+      </p:grpSpPr>
+      <p:sp>
+        <p:nvSpPr>
+          <p:cNvPr id="2" name="Título 1">
+            <a:extLst>
+              <a:ext uri="{FF2B5EF4-FFF2-40B4-BE49-F238E27FC236}">
+                <a16:creationId xmlns:a16="http://schemas.microsoft.com/office/drawing/2014/main" id="{88819EED-1DEF-BF3A-0D1C-6541DEB45830}"/>
+              </a:ext>
+            </a:extLst>
+          </p:cNvPr>
+          <p:cNvSpPr>
+            <a:spLocks noGrp="1"/>
+          </p:cNvSpPr>
+          <p:nvPr>
+            <p:ph type="title"/>
+          </p:nvPr>
+        </p:nvSpPr>
+        <p:spPr/>
+        <p:txBody>
+          <a:bodyPr/>
+          <a:lstStyle/>
+          <a:p>
+            <a:r>
+              <a:rPr lang="pt-BR" dirty="0"/>
+              <a:t>Diagramas</a:t>
+            </a:r>
+            <a:br>
+              <a:rPr lang="pt-BR" dirty="0"/>
+            </a:br>
+            <a:r>
+              <a:rPr lang="pt-BR" sz="2000" dirty="0"/>
+              <a:t>Fluxo de Consulta de Produto</a:t>
+            </a:r>
+          </a:p>
+        </p:txBody>
+      </p:sp>
+      <p:pic>
+        <p:nvPicPr>
+          <p:cNvPr id="4" name="Imagem 3" descr="Diagrama&#10;&#10;Descrição gerada automaticamente">
+            <a:extLst>
+              <a:ext uri="{FF2B5EF4-FFF2-40B4-BE49-F238E27FC236}">
+                <a16:creationId xmlns:a16="http://schemas.microsoft.com/office/drawing/2014/main" id="{C8ED6815-2D8D-9F53-DF45-9146D4996DBD}"/>
+              </a:ext>
+            </a:extLst>
+          </p:cNvPr>
+          <p:cNvPicPr>
+            <a:picLocks noChangeAspect="1"/>
+          </p:cNvPicPr>
+          <p:nvPr/>
+        </p:nvPicPr>
+        <p:blipFill>
+          <a:blip r:embed="rId2"/>
+          <a:stretch>
+            <a:fillRect/>
+          </a:stretch>
+        </p:blipFill>
+        <p:spPr>
+          <a:xfrm>
+            <a:off x="839585" y="1508166"/>
+            <a:ext cx="10514215" cy="5349834"/>
+          </a:xfrm>
+          <a:prstGeom prst="rect">
+            <a:avLst/>
+          </a:prstGeom>
+        </p:spPr>
+      </p:pic>
+    </p:spTree>
+    <p:extLst>
+      <p:ext uri="{BB962C8B-B14F-4D97-AF65-F5344CB8AC3E}">
+        <p14:creationId xmlns:p14="http://schemas.microsoft.com/office/powerpoint/2010/main" val="2933521072"/>
+      </p:ext>
+    </p:extLst>
+  </p:cSld>
+  <p:clrMapOvr>
+    <a:masterClrMapping/>
+  </p:clrMapOvr>
+</p:sld>
+</file>
+
+<file path=ppt/slides/slide12.xml><?xml version="1.0" encoding="utf-8"?>
+<p:sld xmlns:a="http://schemas.openxmlformats.org/drawingml/2006/main" xmlns:r="http://schemas.openxmlformats.org/officeDocument/2006/relationships" xmlns:p="http://schemas.openxmlformats.org/presentationml/2006/main">
+  <p:cSld>
+    <p:spTree>
+      <p:nvGrpSpPr>
+        <p:cNvPr id="1" name=""/>
+        <p:cNvGrpSpPr/>
+        <p:nvPr/>
+      </p:nvGrpSpPr>
+      <p:grpSpPr>
+        <a:xfrm>
+          <a:off x="0" y="0"/>
+          <a:ext cx="0" cy="0"/>
+          <a:chOff x="0" y="0"/>
+          <a:chExt cx="0" cy="0"/>
+        </a:xfrm>
+      </p:grpSpPr>
+      <p:sp>
+        <p:nvSpPr>
+          <p:cNvPr id="2" name="Título 1">
+            <a:extLst>
+              <a:ext uri="{FF2B5EF4-FFF2-40B4-BE49-F238E27FC236}">
+                <a16:creationId xmlns:a16="http://schemas.microsoft.com/office/drawing/2014/main" id="{88819EED-1DEF-BF3A-0D1C-6541DEB45830}"/>
+              </a:ext>
+            </a:extLst>
+          </p:cNvPr>
+          <p:cNvSpPr>
+            <a:spLocks noGrp="1"/>
+          </p:cNvSpPr>
+          <p:nvPr>
+            <p:ph type="title"/>
+          </p:nvPr>
+        </p:nvSpPr>
+        <p:spPr/>
+        <p:txBody>
+          <a:bodyPr/>
+          <a:lstStyle/>
+          <a:p>
+            <a:r>
+              <a:rPr lang="pt-BR" dirty="0"/>
+              <a:t>Cronograma</a:t>
+            </a:r>
+            <a:endParaRPr lang="pt-BR" sz="2000" dirty="0"/>
+          </a:p>
+        </p:txBody>
+      </p:sp>
+      <p:graphicFrame>
+        <p:nvGraphicFramePr>
+          <p:cNvPr id="3" name="Tabela 2">
+            <a:extLst>
+              <a:ext uri="{FF2B5EF4-FFF2-40B4-BE49-F238E27FC236}">
+                <a16:creationId xmlns:a16="http://schemas.microsoft.com/office/drawing/2014/main" id="{FAE0E893-6701-40AE-D746-2DC8D1CA62D3}"/>
+              </a:ext>
+            </a:extLst>
+          </p:cNvPr>
+          <p:cNvGraphicFramePr>
+            <a:graphicFrameLocks noGrp="1"/>
+          </p:cNvGraphicFramePr>
+          <p:nvPr>
+            <p:extLst>
+              <p:ext uri="{D42A27DB-BD31-4B8C-83A1-F6EECF244321}">
+                <p14:modId xmlns:p14="http://schemas.microsoft.com/office/powerpoint/2010/main" val="170840149"/>
+              </p:ext>
+            </p:extLst>
+          </p:nvPr>
+        </p:nvGraphicFramePr>
+        <p:xfrm>
+          <a:off x="1310244" y="1591292"/>
+          <a:ext cx="9334005" cy="4251370"/>
+        </p:xfrm>
+        <a:graphic>
+          <a:graphicData uri="http://schemas.openxmlformats.org/drawingml/2006/table">
+            <a:tbl>
+              <a:tblPr>
+                <a:tableStyleId>{327F97BB-C833-4FB7-BDE5-3F7075034690}</a:tableStyleId>
+              </a:tblPr>
+              <a:tblGrid>
+                <a:gridCol w="7152863">
+                  <a:extLst>
+                    <a:ext uri="{9D8B030D-6E8A-4147-A177-3AD203B41FA5}">
+                      <a16:colId xmlns:a16="http://schemas.microsoft.com/office/drawing/2014/main" val="3723842588"/>
+                    </a:ext>
+                  </a:extLst>
+                </a:gridCol>
+                <a:gridCol w="2181142">
+                  <a:extLst>
+                    <a:ext uri="{9D8B030D-6E8A-4147-A177-3AD203B41FA5}">
+                      <a16:colId xmlns:a16="http://schemas.microsoft.com/office/drawing/2014/main" val="1566381451"/>
+                    </a:ext>
+                  </a:extLst>
+                </a:gridCol>
+              </a:tblGrid>
+              <a:tr h="425137">
+                <a:tc>
+                  <a:txBody>
+                    <a:bodyPr/>
+                    <a:lstStyle/>
+                    <a:p>
+                      <a:r>
+                        <a:rPr lang="pt-BR" sz="2000" b="1" dirty="0">
+                          <a:effectLst/>
+                        </a:rPr>
+                        <a:t>Entrega</a:t>
+                      </a:r>
+                      <a:endParaRPr lang="pt-BR" sz="2000" b="1" dirty="0">
+                        <a:effectLst/>
+                        <a:latin typeface="Arial" panose="020B0604020202020204" pitchFamily="34" charset="0"/>
+                        <a:ea typeface="Times New Roman" panose="02020603050405020304" pitchFamily="18" charset="0"/>
+                      </a:endParaRPr>
+                    </a:p>
+                  </a:txBody>
+                  <a:tcPr marL="68580" marR="68580" marT="0" marB="0">
+                    <a:solidFill>
+                      <a:schemeClr val="accent1">
+                        <a:lumMod val="75000"/>
+                      </a:schemeClr>
+                    </a:solidFill>
+                  </a:tcPr>
+                </a:tc>
+                <a:tc>
+                  <a:txBody>
+                    <a:bodyPr/>
+                    <a:lstStyle/>
+                    <a:p>
+                      <a:r>
+                        <a:rPr lang="pt-BR" sz="2000" b="1" dirty="0">
+                          <a:effectLst/>
+                        </a:rPr>
+                        <a:t>Data</a:t>
+                      </a:r>
+                      <a:endParaRPr lang="pt-BR" sz="2000" b="1" dirty="0">
+                        <a:effectLst/>
+                        <a:latin typeface="Arial" panose="020B0604020202020204" pitchFamily="34" charset="0"/>
+                        <a:ea typeface="Times New Roman" panose="02020603050405020304" pitchFamily="18" charset="0"/>
+                      </a:endParaRPr>
+                    </a:p>
+                  </a:txBody>
+                  <a:tcPr marL="68580" marR="68580" marT="0" marB="0">
+                    <a:solidFill>
+                      <a:schemeClr val="accent1">
+                        <a:lumMod val="75000"/>
+                      </a:schemeClr>
+                    </a:solidFill>
+                  </a:tcPr>
+                </a:tc>
+                <a:extLst>
+                  <a:ext uri="{0D108BD9-81ED-4DB2-BD59-A6C34878D82A}">
+                    <a16:rowId xmlns:a16="http://schemas.microsoft.com/office/drawing/2014/main" val="2948973640"/>
+                  </a:ext>
+                </a:extLst>
+              </a:tr>
+              <a:tr h="425137">
+                <a:tc>
+                  <a:txBody>
+                    <a:bodyPr/>
+                    <a:lstStyle/>
+                    <a:p>
+                      <a:r>
+                        <a:rPr lang="pt-BR" sz="2000" dirty="0">
+                          <a:effectLst/>
+                        </a:rPr>
+                        <a:t>Definição do Projeto</a:t>
+                      </a:r>
+                      <a:endParaRPr lang="pt-BR" sz="2000" dirty="0">
+                        <a:effectLst/>
+                        <a:latin typeface="Arial" panose="020B0604020202020204" pitchFamily="34" charset="0"/>
+                        <a:ea typeface="Times New Roman" panose="02020603050405020304" pitchFamily="18" charset="0"/>
+                      </a:endParaRPr>
+                    </a:p>
+                  </a:txBody>
+                  <a:tcPr marL="68580" marR="68580" marT="0" marB="0"/>
+                </a:tc>
+                <a:tc>
+                  <a:txBody>
+                    <a:bodyPr/>
+                    <a:lstStyle/>
+                    <a:p>
+                      <a:r>
+                        <a:rPr lang="pt-BR" sz="2000">
+                          <a:effectLst/>
+                        </a:rPr>
+                        <a:t>15/08/2022</a:t>
+                      </a:r>
+                      <a:endParaRPr lang="pt-BR" sz="2000">
+                        <a:effectLst/>
+                        <a:latin typeface="Arial" panose="020B0604020202020204" pitchFamily="34" charset="0"/>
+                        <a:ea typeface="Times New Roman" panose="02020603050405020304" pitchFamily="18" charset="0"/>
+                      </a:endParaRPr>
+                    </a:p>
+                  </a:txBody>
+                  <a:tcPr marL="68580" marR="68580" marT="0" marB="0"/>
+                </a:tc>
+                <a:extLst>
+                  <a:ext uri="{0D108BD9-81ED-4DB2-BD59-A6C34878D82A}">
+                    <a16:rowId xmlns:a16="http://schemas.microsoft.com/office/drawing/2014/main" val="2457637909"/>
+                  </a:ext>
+                </a:extLst>
+              </a:tr>
+              <a:tr h="425137">
+                <a:tc>
+                  <a:txBody>
+                    <a:bodyPr/>
+                    <a:lstStyle/>
+                    <a:p>
+                      <a:r>
+                        <a:rPr lang="pt-BR" sz="2000" dirty="0">
+                          <a:effectLst/>
+                        </a:rPr>
+                        <a:t>Apresentação do Protótipo de Interface</a:t>
+                      </a:r>
+                      <a:endParaRPr lang="pt-BR" sz="2000" dirty="0">
+                        <a:effectLst/>
+                        <a:latin typeface="Arial" panose="020B0604020202020204" pitchFamily="34" charset="0"/>
+                        <a:ea typeface="Times New Roman" panose="02020603050405020304" pitchFamily="18" charset="0"/>
+                      </a:endParaRPr>
+                    </a:p>
+                  </a:txBody>
+                  <a:tcPr marL="68580" marR="68580" marT="0" marB="0"/>
+                </a:tc>
+                <a:tc>
+                  <a:txBody>
+                    <a:bodyPr/>
+                    <a:lstStyle/>
+                    <a:p>
+                      <a:r>
+                        <a:rPr lang="pt-BR" sz="2000">
+                          <a:effectLst/>
+                        </a:rPr>
+                        <a:t>29/08/2022</a:t>
+                      </a:r>
+                      <a:endParaRPr lang="pt-BR" sz="2000">
+                        <a:effectLst/>
+                        <a:latin typeface="Arial" panose="020B0604020202020204" pitchFamily="34" charset="0"/>
+                        <a:ea typeface="Times New Roman" panose="02020603050405020304" pitchFamily="18" charset="0"/>
+                      </a:endParaRPr>
+                    </a:p>
+                  </a:txBody>
+                  <a:tcPr marL="68580" marR="68580" marT="0" marB="0"/>
+                </a:tc>
+                <a:extLst>
+                  <a:ext uri="{0D108BD9-81ED-4DB2-BD59-A6C34878D82A}">
+                    <a16:rowId xmlns:a16="http://schemas.microsoft.com/office/drawing/2014/main" val="105553723"/>
+                  </a:ext>
+                </a:extLst>
+              </a:tr>
+              <a:tr h="425137">
+                <a:tc>
+                  <a:txBody>
+                    <a:bodyPr/>
+                    <a:lstStyle/>
+                    <a:p>
+                      <a:r>
+                        <a:rPr lang="pt-BR" sz="2000">
+                          <a:effectLst/>
+                        </a:rPr>
+                        <a:t>Gerenciamento da Conta do Cliente</a:t>
+                      </a:r>
+                      <a:endParaRPr lang="pt-BR" sz="2000">
+                        <a:effectLst/>
+                        <a:latin typeface="Arial" panose="020B0604020202020204" pitchFamily="34" charset="0"/>
+                        <a:ea typeface="Times New Roman" panose="02020603050405020304" pitchFamily="18" charset="0"/>
+                      </a:endParaRPr>
+                    </a:p>
+                  </a:txBody>
+                  <a:tcPr marL="68580" marR="68580" marT="0" marB="0"/>
+                </a:tc>
+                <a:tc>
+                  <a:txBody>
+                    <a:bodyPr/>
+                    <a:lstStyle/>
+                    <a:p>
+                      <a:r>
+                        <a:rPr lang="pt-BR" sz="2000">
+                          <a:effectLst/>
+                        </a:rPr>
+                        <a:t>05/09/2022</a:t>
+                      </a:r>
+                      <a:endParaRPr lang="pt-BR" sz="2000">
+                        <a:effectLst/>
+                        <a:latin typeface="Arial" panose="020B0604020202020204" pitchFamily="34" charset="0"/>
+                        <a:ea typeface="Times New Roman" panose="02020603050405020304" pitchFamily="18" charset="0"/>
+                      </a:endParaRPr>
+                    </a:p>
+                  </a:txBody>
+                  <a:tcPr marL="68580" marR="68580" marT="0" marB="0"/>
+                </a:tc>
+                <a:extLst>
+                  <a:ext uri="{0D108BD9-81ED-4DB2-BD59-A6C34878D82A}">
+                    <a16:rowId xmlns:a16="http://schemas.microsoft.com/office/drawing/2014/main" val="3963297829"/>
+                  </a:ext>
+                </a:extLst>
+              </a:tr>
+              <a:tr h="425137">
+                <a:tc>
+                  <a:txBody>
+                    <a:bodyPr/>
+                    <a:lstStyle/>
+                    <a:p>
+                      <a:r>
+                        <a:rPr lang="pt-BR" sz="2000">
+                          <a:effectLst/>
+                        </a:rPr>
+                        <a:t>Testes De Gerenciamento do Cliente</a:t>
+                      </a:r>
+                      <a:endParaRPr lang="pt-BR" sz="2000">
+                        <a:effectLst/>
+                        <a:latin typeface="Arial" panose="020B0604020202020204" pitchFamily="34" charset="0"/>
+                        <a:ea typeface="Times New Roman" panose="02020603050405020304" pitchFamily="18" charset="0"/>
+                      </a:endParaRPr>
+                    </a:p>
+                  </a:txBody>
+                  <a:tcPr marL="68580" marR="68580" marT="0" marB="0"/>
+                </a:tc>
+                <a:tc>
+                  <a:txBody>
+                    <a:bodyPr/>
+                    <a:lstStyle/>
+                    <a:p>
+                      <a:r>
+                        <a:rPr lang="pt-BR" sz="2000">
+                          <a:effectLst/>
+                        </a:rPr>
+                        <a:t>12/09/2022</a:t>
+                      </a:r>
+                      <a:endParaRPr lang="pt-BR" sz="2000">
+                        <a:effectLst/>
+                        <a:latin typeface="Arial" panose="020B0604020202020204" pitchFamily="34" charset="0"/>
+                        <a:ea typeface="Times New Roman" panose="02020603050405020304" pitchFamily="18" charset="0"/>
+                      </a:endParaRPr>
+                    </a:p>
+                  </a:txBody>
+                  <a:tcPr marL="68580" marR="68580" marT="0" marB="0"/>
+                </a:tc>
+                <a:extLst>
+                  <a:ext uri="{0D108BD9-81ED-4DB2-BD59-A6C34878D82A}">
+                    <a16:rowId xmlns:a16="http://schemas.microsoft.com/office/drawing/2014/main" val="717711868"/>
+                  </a:ext>
+                </a:extLst>
+              </a:tr>
+              <a:tr h="425137">
+                <a:tc>
+                  <a:txBody>
+                    <a:bodyPr/>
+                    <a:lstStyle/>
+                    <a:p>
+                      <a:r>
+                        <a:rPr lang="pt-BR" sz="2000">
+                          <a:effectLst/>
+                        </a:rPr>
+                        <a:t>Inserção de Vendas</a:t>
+                      </a:r>
+                      <a:endParaRPr lang="pt-BR" sz="2000">
+                        <a:effectLst/>
+                        <a:latin typeface="Arial" panose="020B0604020202020204" pitchFamily="34" charset="0"/>
+                        <a:ea typeface="Times New Roman" panose="02020603050405020304" pitchFamily="18" charset="0"/>
+                      </a:endParaRPr>
+                    </a:p>
+                  </a:txBody>
+                  <a:tcPr marL="68580" marR="68580" marT="0" marB="0"/>
+                </a:tc>
+                <a:tc>
+                  <a:txBody>
+                    <a:bodyPr/>
+                    <a:lstStyle/>
+                    <a:p>
+                      <a:r>
+                        <a:rPr lang="pt-BR" sz="2000" dirty="0">
+                          <a:effectLst/>
+                        </a:rPr>
+                        <a:t>26/09/2022</a:t>
+                      </a:r>
+                      <a:endParaRPr lang="pt-BR" sz="2000" dirty="0">
+                        <a:effectLst/>
+                        <a:latin typeface="Arial" panose="020B0604020202020204" pitchFamily="34" charset="0"/>
+                        <a:ea typeface="Times New Roman" panose="02020603050405020304" pitchFamily="18" charset="0"/>
+                      </a:endParaRPr>
+                    </a:p>
+                  </a:txBody>
+                  <a:tcPr marL="68580" marR="68580" marT="0" marB="0"/>
+                </a:tc>
+                <a:extLst>
+                  <a:ext uri="{0D108BD9-81ED-4DB2-BD59-A6C34878D82A}">
+                    <a16:rowId xmlns:a16="http://schemas.microsoft.com/office/drawing/2014/main" val="2476035210"/>
+                  </a:ext>
+                </a:extLst>
+              </a:tr>
+              <a:tr h="425137">
+                <a:tc>
+                  <a:txBody>
+                    <a:bodyPr/>
+                    <a:lstStyle/>
+                    <a:p>
+                      <a:r>
+                        <a:rPr lang="pt-BR" sz="2000" dirty="0">
+                          <a:effectLst/>
+                        </a:rPr>
+                        <a:t>Processamento de Venda</a:t>
+                      </a:r>
+                      <a:endParaRPr lang="pt-BR" sz="2000" dirty="0">
+                        <a:effectLst/>
+                        <a:latin typeface="Arial" panose="020B0604020202020204" pitchFamily="34" charset="0"/>
+                        <a:ea typeface="Times New Roman" panose="02020603050405020304" pitchFamily="18" charset="0"/>
+                      </a:endParaRPr>
+                    </a:p>
+                  </a:txBody>
+                  <a:tcPr marL="68580" marR="68580" marT="0" marB="0"/>
+                </a:tc>
+                <a:tc>
+                  <a:txBody>
+                    <a:bodyPr/>
+                    <a:lstStyle/>
+                    <a:p>
+                      <a:r>
+                        <a:rPr lang="pt-BR" sz="2000">
+                          <a:effectLst/>
+                        </a:rPr>
+                        <a:t>18/10/2022</a:t>
+                      </a:r>
+                      <a:endParaRPr lang="pt-BR" sz="2000">
+                        <a:effectLst/>
+                        <a:latin typeface="Arial" panose="020B0604020202020204" pitchFamily="34" charset="0"/>
+                        <a:ea typeface="Times New Roman" panose="02020603050405020304" pitchFamily="18" charset="0"/>
+                      </a:endParaRPr>
+                    </a:p>
+                  </a:txBody>
+                  <a:tcPr marL="68580" marR="68580" marT="0" marB="0"/>
+                </a:tc>
+                <a:extLst>
+                  <a:ext uri="{0D108BD9-81ED-4DB2-BD59-A6C34878D82A}">
+                    <a16:rowId xmlns:a16="http://schemas.microsoft.com/office/drawing/2014/main" val="1336887919"/>
+                  </a:ext>
+                </a:extLst>
+              </a:tr>
+              <a:tr h="425137">
+                <a:tc>
+                  <a:txBody>
+                    <a:bodyPr/>
+                    <a:lstStyle/>
+                    <a:p>
+                      <a:r>
+                        <a:rPr lang="pt-BR" sz="2000">
+                          <a:effectLst/>
+                        </a:rPr>
+                        <a:t>Caso de Uso de Condução (Fluxo Principal)</a:t>
+                      </a:r>
+                      <a:endParaRPr lang="pt-BR" sz="2000">
+                        <a:effectLst/>
+                        <a:latin typeface="Arial" panose="020B0604020202020204" pitchFamily="34" charset="0"/>
+                        <a:ea typeface="Times New Roman" panose="02020603050405020304" pitchFamily="18" charset="0"/>
+                      </a:endParaRPr>
+                    </a:p>
+                  </a:txBody>
+                  <a:tcPr marL="68580" marR="68580" marT="0" marB="0"/>
+                </a:tc>
+                <a:tc>
+                  <a:txBody>
+                    <a:bodyPr/>
+                    <a:lstStyle/>
+                    <a:p>
+                      <a:r>
+                        <a:rPr lang="pt-BR" sz="2000">
+                          <a:effectLst/>
+                        </a:rPr>
+                        <a:t>31/10/2022</a:t>
+                      </a:r>
+                      <a:endParaRPr lang="pt-BR" sz="2000">
+                        <a:effectLst/>
+                        <a:latin typeface="Arial" panose="020B0604020202020204" pitchFamily="34" charset="0"/>
+                        <a:ea typeface="Times New Roman" panose="02020603050405020304" pitchFamily="18" charset="0"/>
+                      </a:endParaRPr>
+                    </a:p>
+                  </a:txBody>
+                  <a:tcPr marL="68580" marR="68580" marT="0" marB="0"/>
+                </a:tc>
+                <a:extLst>
+                  <a:ext uri="{0D108BD9-81ED-4DB2-BD59-A6C34878D82A}">
+                    <a16:rowId xmlns:a16="http://schemas.microsoft.com/office/drawing/2014/main" val="1969849367"/>
+                  </a:ext>
+                </a:extLst>
+              </a:tr>
+              <a:tr h="425137">
+                <a:tc>
+                  <a:txBody>
+                    <a:bodyPr/>
+                    <a:lstStyle/>
+                    <a:p>
+                      <a:r>
+                        <a:rPr lang="pt-BR" sz="2000">
+                          <a:effectLst/>
+                        </a:rPr>
+                        <a:t>Dashboard do Usuário Administrador</a:t>
+                      </a:r>
+                      <a:endParaRPr lang="pt-BR" sz="2000">
+                        <a:effectLst/>
+                        <a:latin typeface="Arial" panose="020B0604020202020204" pitchFamily="34" charset="0"/>
+                        <a:ea typeface="Times New Roman" panose="02020603050405020304" pitchFamily="18" charset="0"/>
+                      </a:endParaRPr>
+                    </a:p>
+                  </a:txBody>
+                  <a:tcPr marL="68580" marR="68580" marT="0" marB="0"/>
+                </a:tc>
+                <a:tc>
+                  <a:txBody>
+                    <a:bodyPr/>
+                    <a:lstStyle/>
+                    <a:p>
+                      <a:r>
+                        <a:rPr lang="pt-BR" sz="2000">
+                          <a:effectLst/>
+                        </a:rPr>
+                        <a:t>21/11/2022</a:t>
+                      </a:r>
+                      <a:endParaRPr lang="pt-BR" sz="2000">
+                        <a:effectLst/>
+                        <a:latin typeface="Arial" panose="020B0604020202020204" pitchFamily="34" charset="0"/>
+                        <a:ea typeface="Times New Roman" panose="02020603050405020304" pitchFamily="18" charset="0"/>
+                      </a:endParaRPr>
+                    </a:p>
+                  </a:txBody>
+                  <a:tcPr marL="68580" marR="68580" marT="0" marB="0"/>
+                </a:tc>
+                <a:extLst>
+                  <a:ext uri="{0D108BD9-81ED-4DB2-BD59-A6C34878D82A}">
+                    <a16:rowId xmlns:a16="http://schemas.microsoft.com/office/drawing/2014/main" val="1386304838"/>
+                  </a:ext>
+                </a:extLst>
+              </a:tr>
+              <a:tr h="425137">
+                <a:tc>
+                  <a:txBody>
+                    <a:bodyPr/>
+                    <a:lstStyle/>
+                    <a:p>
+                      <a:r>
+                        <a:rPr lang="pt-BR" sz="2000" dirty="0">
+                          <a:effectLst/>
+                        </a:rPr>
+                        <a:t>Apresentação e Entrega dos Documentos do Projeto</a:t>
+                      </a:r>
+                      <a:endParaRPr lang="pt-BR" sz="2000" dirty="0">
+                        <a:effectLst/>
+                        <a:latin typeface="Arial" panose="020B0604020202020204" pitchFamily="34" charset="0"/>
+                        <a:ea typeface="Times New Roman" panose="02020603050405020304" pitchFamily="18" charset="0"/>
+                      </a:endParaRPr>
+                    </a:p>
+                  </a:txBody>
+                  <a:tcPr marL="68580" marR="68580" marT="0" marB="0"/>
+                </a:tc>
+                <a:tc>
+                  <a:txBody>
+                    <a:bodyPr/>
+                    <a:lstStyle/>
+                    <a:p>
+                      <a:r>
+                        <a:rPr lang="pt-BR" sz="2000" dirty="0">
+                          <a:effectLst/>
+                        </a:rPr>
+                        <a:t>28/11/2022</a:t>
+                      </a:r>
+                      <a:endParaRPr lang="pt-BR" sz="2000" dirty="0">
+                        <a:effectLst/>
+                        <a:latin typeface="Arial" panose="020B0604020202020204" pitchFamily="34" charset="0"/>
+                        <a:ea typeface="Times New Roman" panose="02020603050405020304" pitchFamily="18" charset="0"/>
+                      </a:endParaRPr>
+                    </a:p>
+                  </a:txBody>
+                  <a:tcPr marL="68580" marR="68580" marT="0" marB="0"/>
+                </a:tc>
+                <a:extLst>
+                  <a:ext uri="{0D108BD9-81ED-4DB2-BD59-A6C34878D82A}">
+                    <a16:rowId xmlns:a16="http://schemas.microsoft.com/office/drawing/2014/main" val="4107651081"/>
+                  </a:ext>
+                </a:extLst>
+              </a:tr>
+            </a:tbl>
+          </a:graphicData>
+        </a:graphic>
+      </p:graphicFrame>
+    </p:spTree>
+    <p:extLst>
+      <p:ext uri="{BB962C8B-B14F-4D97-AF65-F5344CB8AC3E}">
+        <p14:creationId xmlns:p14="http://schemas.microsoft.com/office/powerpoint/2010/main" val="616744571"/>
       </p:ext>
     </p:extLst>
   </p:cSld>
@@ -4035,96 +4721,6 @@
           <p:cNvPr id="2" name="Título 1">
             <a:extLst>
               <a:ext uri="{FF2B5EF4-FFF2-40B4-BE49-F238E27FC236}">
-                <a16:creationId xmlns:a16="http://schemas.microsoft.com/office/drawing/2014/main" id="{F616934C-BD41-B819-C354-1DB000F64BF1}"/>
-              </a:ext>
-            </a:extLst>
-          </p:cNvPr>
-          <p:cNvSpPr>
-            <a:spLocks noGrp="1"/>
-          </p:cNvSpPr>
-          <p:nvPr>
-            <p:ph type="title"/>
-          </p:nvPr>
-        </p:nvSpPr>
-        <p:spPr/>
-        <p:txBody>
-          <a:bodyPr/>
-          <a:lstStyle/>
-          <a:p>
-            <a:r>
-              <a:rPr lang="pt-BR" dirty="0"/>
-              <a:t>Tecnologias</a:t>
-            </a:r>
-            <a:br>
-              <a:rPr lang="pt-BR" dirty="0"/>
-            </a:br>
-            <a:r>
-              <a:rPr lang="pt-BR" sz="2000" dirty="0"/>
-              <a:t>bibliotecas principais</a:t>
-            </a:r>
-          </a:p>
-        </p:txBody>
-      </p:sp>
-      <p:sp>
-        <p:nvSpPr>
-          <p:cNvPr id="3" name="Espaço Reservado para Conteúdo 2">
-            <a:extLst>
-              <a:ext uri="{FF2B5EF4-FFF2-40B4-BE49-F238E27FC236}">
-                <a16:creationId xmlns:a16="http://schemas.microsoft.com/office/drawing/2014/main" id="{BB12C9E0-866C-BF6D-FEEF-9048D25B1EF7}"/>
-              </a:ext>
-            </a:extLst>
-          </p:cNvPr>
-          <p:cNvSpPr>
-            <a:spLocks noGrp="1"/>
-          </p:cNvSpPr>
-          <p:nvPr>
-            <p:ph idx="1"/>
-          </p:nvPr>
-        </p:nvSpPr>
-        <p:spPr/>
-        <p:txBody>
-          <a:bodyPr/>
-          <a:lstStyle/>
-          <a:p>
-            <a:endParaRPr lang="pt-BR"/>
-          </a:p>
-        </p:txBody>
-      </p:sp>
-    </p:spTree>
-    <p:extLst>
-      <p:ext uri="{BB962C8B-B14F-4D97-AF65-F5344CB8AC3E}">
-        <p14:creationId xmlns:p14="http://schemas.microsoft.com/office/powerpoint/2010/main" val="1547608772"/>
-      </p:ext>
-    </p:extLst>
-  </p:cSld>
-  <p:clrMapOvr>
-    <a:masterClrMapping/>
-  </p:clrMapOvr>
-</p:sld>
-</file>
-
-<file path=ppt/slides/slide6.xml><?xml version="1.0" encoding="utf-8"?>
-<p:sld xmlns:a="http://schemas.openxmlformats.org/drawingml/2006/main" xmlns:r="http://schemas.openxmlformats.org/officeDocument/2006/relationships" xmlns:p="http://schemas.openxmlformats.org/presentationml/2006/main">
-  <p:cSld>
-    <p:spTree>
-      <p:nvGrpSpPr>
-        <p:cNvPr id="1" name=""/>
-        <p:cNvGrpSpPr/>
-        <p:nvPr/>
-      </p:nvGrpSpPr>
-      <p:grpSpPr>
-        <a:xfrm>
-          <a:off x="0" y="0"/>
-          <a:ext cx="0" cy="0"/>
-          <a:chOff x="0" y="0"/>
-          <a:chExt cx="0" cy="0"/>
-        </a:xfrm>
-      </p:grpSpPr>
-      <p:sp>
-        <p:nvSpPr>
-          <p:cNvPr id="2" name="Título 1">
-            <a:extLst>
-              <a:ext uri="{FF2B5EF4-FFF2-40B4-BE49-F238E27FC236}">
                 <a16:creationId xmlns:a16="http://schemas.microsoft.com/office/drawing/2014/main" id="{88819EED-1DEF-BF3A-0D1C-6541DEB45830}"/>
               </a:ext>
             </a:extLst>
@@ -4198,7 +4794,7 @@
 </p:sld>
 </file>
 
-<file path=ppt/slides/slide7.xml><?xml version="1.0" encoding="utf-8"?>
+<file path=ppt/slides/slide6.xml><?xml version="1.0" encoding="utf-8"?>
 <p:sld xmlns:a="http://schemas.openxmlformats.org/drawingml/2006/main" xmlns:r="http://schemas.openxmlformats.org/officeDocument/2006/relationships" xmlns:p="http://schemas.openxmlformats.org/presentationml/2006/main">
   <p:cSld>
     <p:spTree>
@@ -4258,7 +4854,7 @@
 </p:sld>
 </file>
 
-<file path=ppt/slides/slide8.xml><?xml version="1.0" encoding="utf-8"?>
+<file path=ppt/slides/slide7.xml><?xml version="1.0" encoding="utf-8"?>
 <p:sld xmlns:a="http://schemas.openxmlformats.org/drawingml/2006/main" xmlns:r="http://schemas.openxmlformats.org/officeDocument/2006/relationships" xmlns:p="http://schemas.openxmlformats.org/presentationml/2006/main">
   <p:cSld>
     <p:spTree>
@@ -4353,7 +4949,7 @@
 </p:sld>
 </file>
 
-<file path=ppt/slides/slide9.xml><?xml version="1.0" encoding="utf-8"?>
+<file path=ppt/slides/slide8.xml><?xml version="1.0" encoding="utf-8"?>
 <p:sld xmlns:a="http://schemas.openxmlformats.org/drawingml/2006/main" xmlns:r="http://schemas.openxmlformats.org/officeDocument/2006/relationships" xmlns:p="http://schemas.openxmlformats.org/presentationml/2006/main">
   <p:cSld>
     <p:spTree>
@@ -4439,6 +5035,108 @@
     <p:extLst>
       <p:ext uri="{BB962C8B-B14F-4D97-AF65-F5344CB8AC3E}">
         <p14:creationId xmlns:p14="http://schemas.microsoft.com/office/powerpoint/2010/main" val="1248248870"/>
+      </p:ext>
+    </p:extLst>
+  </p:cSld>
+  <p:clrMapOvr>
+    <a:masterClrMapping/>
+  </p:clrMapOvr>
+</p:sld>
+</file>
+
+<file path=ppt/slides/slide9.xml><?xml version="1.0" encoding="utf-8"?>
+<p:sld xmlns:a="http://schemas.openxmlformats.org/drawingml/2006/main" xmlns:r="http://schemas.openxmlformats.org/officeDocument/2006/relationships" xmlns:p="http://schemas.openxmlformats.org/presentationml/2006/main">
+  <p:cSld>
+    <p:spTree>
+      <p:nvGrpSpPr>
+        <p:cNvPr id="1" name=""/>
+        <p:cNvGrpSpPr/>
+        <p:nvPr/>
+      </p:nvGrpSpPr>
+      <p:grpSpPr>
+        <a:xfrm>
+          <a:off x="0" y="0"/>
+          <a:ext cx="0" cy="0"/>
+          <a:chOff x="0" y="0"/>
+          <a:chExt cx="0" cy="0"/>
+        </a:xfrm>
+      </p:grpSpPr>
+      <p:sp>
+        <p:nvSpPr>
+          <p:cNvPr id="2" name="Título 1">
+            <a:extLst>
+              <a:ext uri="{FF2B5EF4-FFF2-40B4-BE49-F238E27FC236}">
+                <a16:creationId xmlns:a16="http://schemas.microsoft.com/office/drawing/2014/main" id="{88819EED-1DEF-BF3A-0D1C-6541DEB45830}"/>
+              </a:ext>
+            </a:extLst>
+          </p:cNvPr>
+          <p:cNvSpPr>
+            <a:spLocks noGrp="1"/>
+          </p:cNvSpPr>
+          <p:nvPr>
+            <p:ph type="title"/>
+          </p:nvPr>
+        </p:nvSpPr>
+        <p:spPr/>
+        <p:txBody>
+          <a:bodyPr/>
+          <a:lstStyle/>
+          <a:p>
+            <a:r>
+              <a:rPr lang="pt-BR" dirty="0"/>
+              <a:t>Diagramas</a:t>
+            </a:r>
+            <a:br>
+              <a:rPr lang="pt-BR" dirty="0"/>
+            </a:br>
+            <a:r>
+              <a:rPr lang="pt-BR" sz="2000" dirty="0"/>
+              <a:t>Representação de Camadas</a:t>
+            </a:r>
+            <a:br>
+              <a:rPr lang="pt-BR" sz="2000" dirty="0"/>
+            </a:br>
+            <a:r>
+              <a:rPr lang="pt-BR" sz="2000" dirty="0"/>
+              <a:t>com Dependências de Tecnologias</a:t>
+            </a:r>
+          </a:p>
+        </p:txBody>
+      </p:sp>
+      <p:pic>
+        <p:nvPicPr>
+          <p:cNvPr id="8" name="Imagem 7">
+            <a:extLst>
+              <a:ext uri="{FF2B5EF4-FFF2-40B4-BE49-F238E27FC236}">
+                <a16:creationId xmlns:a16="http://schemas.microsoft.com/office/drawing/2014/main" id="{1A95C1E7-0ED9-0AF5-EB2D-8A4DCA9288E1}"/>
+              </a:ext>
+            </a:extLst>
+          </p:cNvPr>
+          <p:cNvPicPr>
+            <a:picLocks noChangeAspect="1"/>
+          </p:cNvPicPr>
+          <p:nvPr/>
+        </p:nvPicPr>
+        <p:blipFill>
+          <a:blip r:embed="rId2"/>
+          <a:stretch>
+            <a:fillRect/>
+          </a:stretch>
+        </p:blipFill>
+        <p:spPr>
+          <a:xfrm>
+            <a:off x="5105921" y="341991"/>
+            <a:ext cx="6706536" cy="6516009"/>
+          </a:xfrm>
+          <a:prstGeom prst="rect">
+            <a:avLst/>
+          </a:prstGeom>
+        </p:spPr>
+      </p:pic>
+    </p:spTree>
+    <p:extLst>
+      <p:ext uri="{BB962C8B-B14F-4D97-AF65-F5344CB8AC3E}">
+        <p14:creationId xmlns:p14="http://schemas.microsoft.com/office/powerpoint/2010/main" val="4124894196"/>
       </p:ext>
     </p:extLst>
   </p:cSld>
@@ -4744,6 +5442,15 @@
 </file>
 
 <file path=customXml/item1.xml><?xml version="1.0" encoding="utf-8"?>
+<?mso-contentType ?>
+<FormTemplates xmlns="http://schemas.microsoft.com/sharepoint/v3/contenttype/forms">
+  <Display>DocumentLibraryForm</Display>
+  <Edit>DocumentLibraryForm</Edit>
+  <New>DocumentLibraryForm</New>
+</FormTemplates>
+</file>
+
+<file path=customXml/item2.xml><?xml version="1.0" encoding="utf-8"?>
 <ct:contentTypeSchema xmlns:ct="http://schemas.microsoft.com/office/2006/metadata/contentType" xmlns:ma="http://schemas.microsoft.com/office/2006/metadata/properties/metaAttributes" ct:_="" ma:_="" ma:contentTypeName="Document" ma:contentTypeID="0x0101008B8568C3182CC747870B972848B47CD5" ma:contentTypeVersion="9" ma:contentTypeDescription="Create a new document." ma:contentTypeScope="" ma:versionID="6141a55ab87bce2f20a63e3c1708d8e5">
   <xsd:schema xmlns:xsd="http://www.w3.org/2001/XMLSchema" xmlns:xs="http://www.w3.org/2001/XMLSchema" xmlns:p="http://schemas.microsoft.com/office/2006/metadata/properties" xmlns:ns3="97ac83c4-4b1d-4d07-9644-af9f398b8c0e" xmlns:ns4="c9ce8b3b-b203-49dd-befb-9a95aefdd335" targetNamespace="http://schemas.microsoft.com/office/2006/metadata/properties" ma:root="true" ma:fieldsID="27cc03c343e130570077abff77fb210d" ns3:_="" ns4:_="">
     <xsd:import namespace="97ac83c4-4b1d-4d07-9644-af9f398b8c0e"/>
@@ -4940,15 +5647,6 @@
 </ct:contentTypeSchema>
 </file>
 
-<file path=customXml/item2.xml><?xml version="1.0" encoding="utf-8"?>
-<?mso-contentType ?>
-<FormTemplates xmlns="http://schemas.microsoft.com/sharepoint/v3/contenttype/forms">
-  <Display>DocumentLibraryForm</Display>
-  <Edit>DocumentLibraryForm</Edit>
-  <New>DocumentLibraryForm</New>
-</FormTemplates>
-</file>
-
 <file path=customXml/item3.xml><?xml version="1.0" encoding="utf-8"?>
 <p:properties xmlns:p="http://schemas.microsoft.com/office/2006/metadata/properties" xmlns:xsi="http://www.w3.org/2001/XMLSchema-instance" xmlns:pc="http://schemas.microsoft.com/office/infopath/2007/PartnerControls">
   <documentManagement/>
@@ -4956,6 +5654,14 @@
 </file>
 
 <file path=customXml/itemProps1.xml><?xml version="1.0" encoding="utf-8"?>
+<ds:datastoreItem xmlns:ds="http://schemas.openxmlformats.org/officeDocument/2006/customXml" ds:itemID="{F1C296A7-F0B1-4CB4-B7C1-383F0616AD62}">
+  <ds:schemaRefs>
+    <ds:schemaRef ds:uri="http://schemas.microsoft.com/sharepoint/v3/contenttype/forms"/>
+  </ds:schemaRefs>
+</ds:datastoreItem>
+</file>
+
+<file path=customXml/itemProps2.xml><?xml version="1.0" encoding="utf-8"?>
 <ds:datastoreItem xmlns:ds="http://schemas.openxmlformats.org/officeDocument/2006/customXml" ds:itemID="{F5816102-4484-4527-BE19-B2294FE688AD}">
   <ds:schemaRefs>
     <ds:schemaRef ds:uri="http://schemas.microsoft.com/office/2006/metadata/contentType"/>
@@ -4970,14 +5676,6 @@
     <ds:schemaRef ds:uri="http://purl.org/dc/elements/1.1/"/>
     <ds:schemaRef ds:uri="http://purl.org/dc/terms/"/>
     <ds:schemaRef ds:uri="http://schemas.microsoft.com/internal/obd"/>
-  </ds:schemaRefs>
-</ds:datastoreItem>
-</file>
-
-<file path=customXml/itemProps2.xml><?xml version="1.0" encoding="utf-8"?>
-<ds:datastoreItem xmlns:ds="http://schemas.openxmlformats.org/officeDocument/2006/customXml" ds:itemID="{F1C296A7-F0B1-4CB4-B7C1-383F0616AD62}">
-  <ds:schemaRefs>
-    <ds:schemaRef ds:uri="http://schemas.microsoft.com/sharepoint/v3/contenttype/forms"/>
   </ds:schemaRefs>
 </ds:datastoreItem>
 </file>
